--- a/modling /ppt/第12.2讲--多变量非线性建模--神经网络1-分类模型.pptx
+++ b/modling /ppt/第12.2讲--多变量非线性建模--神经网络1-分类模型.pptx
@@ -307,7 +307,7 @@
               <a:pPr>
                 <a:defRPr/>
               </a:pPr>
-              <a:t>2020/5/19</a:t>
+              <a:t>2020/5/20</a:t>
             </a:fld>
             <a:endParaRPr lang="zh-CN" altLang="en-US"/>
           </a:p>
@@ -508,7 +508,7 @@
               <a:pPr>
                 <a:defRPr/>
               </a:pPr>
-              <a:t>2020/5/19</a:t>
+              <a:t>2020/5/20</a:t>
             </a:fld>
             <a:endParaRPr lang="zh-CN" altLang="en-US"/>
           </a:p>
@@ -957,6 +957,11 @@
         </p:txBody>
       </p:sp>
     </p:spTree>
+    <p:extLst>
+      <p:ext uri="{BB962C8B-B14F-4D97-AF65-F5344CB8AC3E}">
+        <p14:creationId xmlns:p14="http://schemas.microsoft.com/office/powerpoint/2010/main" val="869566900"/>
+      </p:ext>
+    </p:extLst>
   </p:cSld>
   <p:clrMapOvr>
     <a:masterClrMapping/>
@@ -3988,8 +3993,8 @@
           </a:p>
         </p:txBody>
       </p:sp>
-      <mc:AlternateContent xmlns:mc="http://schemas.openxmlformats.org/markup-compatibility/2006">
-        <mc:Choice xmlns:a14="http://schemas.microsoft.com/office/drawing/2010/main" Requires="a14">
+      <mc:AlternateContent xmlns:mc="http://schemas.openxmlformats.org/markup-compatibility/2006" xmlns:a14="http://schemas.microsoft.com/office/drawing/2010/main">
+        <mc:Choice Requires="a14">
           <p:sp>
             <p:nvSpPr>
               <p:cNvPr id="3" name="内容占位符 2"/>
@@ -4035,21 +4040,21 @@
                   <a:buAutoNum type="arabicPeriod"/>
                 </a:pPr>
                 <a:r>
-                  <a:rPr lang="en-US" altLang="zh-CN" sz="2800" smtClean="0">
+                  <a:rPr lang="en-US" altLang="zh-CN" sz="2800" dirty="0" smtClean="0">
                     <a:latin typeface="等线" panose="02010600030101010101" pitchFamily="2" charset="-122"/>
                     <a:ea typeface="等线" panose="02010600030101010101" pitchFamily="2" charset="-122"/>
                   </a:rPr>
                   <a:t>n</a:t>
                 </a:r>
                 <a:r>
-                  <a:rPr lang="zh-CN" altLang="en-US" sz="2800">
+                  <a:rPr lang="zh-CN" altLang="en-US" sz="2800" dirty="0">
                     <a:latin typeface="等线" panose="02010600030101010101" pitchFamily="2" charset="-122"/>
                     <a:ea typeface="等线" panose="02010600030101010101" pitchFamily="2" charset="-122"/>
                   </a:rPr>
                   <a:t>个节点预测</a:t>
                 </a:r>
                 <a:r>
-                  <a:rPr lang="zh-CN" altLang="en-US" sz="2800" smtClean="0">
+                  <a:rPr lang="zh-CN" altLang="en-US" sz="2800" dirty="0" smtClean="0">
                     <a:latin typeface="等线" panose="02010600030101010101" pitchFamily="2" charset="-122"/>
                     <a:ea typeface="等线" panose="02010600030101010101" pitchFamily="2" charset="-122"/>
                   </a:rPr>
@@ -4091,21 +4096,7 @@
                     <a:latin typeface="等线" panose="02010600030101010101" pitchFamily="2" charset="-122"/>
                     <a:ea typeface="等线" panose="02010600030101010101" pitchFamily="2" charset="-122"/>
                   </a:rPr>
-                  <a:t>样本</a:t>
-                </a:r>
-                <a:r>
-                  <a:rPr lang="zh-CN" altLang="en-US" sz="2800" smtClean="0">
-                    <a:latin typeface="等线" panose="02010600030101010101" pitchFamily="2" charset="-122"/>
-                    <a:ea typeface="等线" panose="02010600030101010101" pitchFamily="2" charset="-122"/>
-                  </a:rPr>
-                  <a:t>的</a:t>
-                </a:r>
-                <a:r>
-                  <a:rPr lang="zh-CN" altLang="en-US" sz="2800" smtClean="0">
-                    <a:latin typeface="等线" panose="02010600030101010101" pitchFamily="2" charset="-122"/>
-                    <a:ea typeface="等线" panose="02010600030101010101" pitchFamily="2" charset="-122"/>
-                  </a:rPr>
-                  <a:t>误差</a:t>
+                  <a:t>样本的误差</a:t>
                 </a:r>
                 <a:endParaRPr lang="en-US" altLang="zh-CN" sz="2800" dirty="0" smtClean="0">
                   <a:latin typeface="等线" panose="02010600030101010101" pitchFamily="2" charset="-122"/>
@@ -4368,7 +4359,7 @@
                       <m:sSubSupPr>
                         <m:ctrlPr>
                           <a:rPr lang="zh-CN" altLang="zh-CN" sz="2800" i="1">
-                            <a:latin typeface="Cambria Math" panose="02040503050406030204" pitchFamily="18" charset="0"/>
+                            <a:latin typeface="Cambria Math" charset="0"/>
                           </a:rPr>
                         </m:ctrlPr>
                       </m:sSubSupPr>
@@ -4378,7 +4369,7 @@
                             <m:chr m:val="̂"/>
                             <m:ctrlPr>
                               <a:rPr lang="zh-CN" altLang="zh-CN" sz="2800" i="1">
-                                <a:latin typeface="Cambria Math" panose="02040503050406030204" pitchFamily="18" charset="0"/>
+                                <a:latin typeface="Cambria Math" charset="0"/>
                               </a:rPr>
                             </m:ctrlPr>
                           </m:accPr>
@@ -4424,7 +4415,7 @@
                       <m:sSubSupPr>
                         <m:ctrlPr>
                           <a:rPr lang="zh-CN" altLang="zh-CN" sz="2800" i="1">
-                            <a:latin typeface="Cambria Math" panose="02040503050406030204" pitchFamily="18" charset="0"/>
+                            <a:latin typeface="Cambria Math" charset="0"/>
                           </a:rPr>
                         </m:ctrlPr>
                       </m:sSubSupPr>
@@ -4434,7 +4425,7 @@
                             <m:chr m:val="̂"/>
                             <m:ctrlPr>
                               <a:rPr lang="zh-CN" altLang="zh-CN" sz="2800" i="1">
-                                <a:latin typeface="Cambria Math" panose="02040503050406030204" pitchFamily="18" charset="0"/>
+                                <a:latin typeface="Cambria Math" charset="0"/>
                               </a:rPr>
                             </m:ctrlPr>
                           </m:accPr>
@@ -4531,28 +4522,28 @@
                   <a:t>利用</a:t>
                 </a:r>
                 <a:r>
-                  <a:rPr lang="zh-CN" altLang="en-US" sz="2800" smtClean="0">
+                  <a:rPr lang="zh-CN" altLang="en-US" sz="2800" dirty="0" smtClean="0">
                     <a:latin typeface="等线" panose="02010600030101010101" pitchFamily="2" charset="-122"/>
                     <a:ea typeface="等线" panose="02010600030101010101" pitchFamily="2" charset="-122"/>
                   </a:rPr>
                   <a:t>微分</a:t>
                 </a:r>
                 <a:r>
-                  <a:rPr lang="zh-CN" altLang="zh-CN" sz="2800" smtClean="0">
+                  <a:rPr lang="zh-CN" altLang="zh-CN" sz="2800" dirty="0" smtClean="0">
                     <a:latin typeface="等线" panose="02010600030101010101" pitchFamily="2" charset="-122"/>
                     <a:ea typeface="等线" panose="02010600030101010101" pitchFamily="2" charset="-122"/>
                   </a:rPr>
                   <a:t>链式法则</a:t>
                 </a:r>
                 <a:r>
-                  <a:rPr lang="en-US" altLang="zh-CN" sz="2800" smtClean="0">
+                  <a:rPr lang="en-US" altLang="zh-CN" sz="2800" dirty="0" smtClean="0">
                     <a:latin typeface="等线" panose="02010600030101010101" pitchFamily="2" charset="-122"/>
                     <a:ea typeface="等线" panose="02010600030101010101" pitchFamily="2" charset="-122"/>
                   </a:rPr>
                   <a:t>          </a:t>
                 </a:r>
                 <a:r>
-                  <a:rPr lang="en-US" altLang="zh-CN" sz="1600" smtClean="0">
+                  <a:rPr lang="en-US" altLang="zh-CN" sz="1600" dirty="0" smtClean="0">
                     <a:solidFill>
                       <a:srgbClr val="FF0000"/>
                     </a:solidFill>
@@ -4562,14 +4553,14 @@
                   <a:t>①</a:t>
                 </a:r>
                 <a:r>
-                  <a:rPr lang="en-US" altLang="zh-CN" sz="1600" smtClean="0">
+                  <a:rPr lang="en-US" altLang="zh-CN" sz="1600" dirty="0" smtClean="0">
                     <a:latin typeface="等线" panose="02010600030101010101" pitchFamily="2" charset="-122"/>
                     <a:ea typeface="等线" panose="02010600030101010101" pitchFamily="2" charset="-122"/>
                   </a:rPr>
                   <a:t>        </a:t>
                 </a:r>
                 <a:r>
-                  <a:rPr lang="en-US" altLang="zh-CN" sz="1600" smtClean="0">
+                  <a:rPr lang="en-US" altLang="zh-CN" sz="1600" dirty="0" smtClean="0">
                     <a:solidFill>
                       <a:srgbClr val="FF0000"/>
                     </a:solidFill>
@@ -4579,14 +4570,14 @@
                   <a:t>②</a:t>
                 </a:r>
                 <a:r>
-                  <a:rPr lang="en-US" altLang="zh-CN" sz="1600" smtClean="0">
+                  <a:rPr lang="en-US" altLang="zh-CN" sz="1600" dirty="0" smtClean="0">
                     <a:latin typeface="等线" panose="02010600030101010101" pitchFamily="2" charset="-122"/>
                     <a:ea typeface="等线" panose="02010600030101010101" pitchFamily="2" charset="-122"/>
                   </a:rPr>
                   <a:t>        </a:t>
                 </a:r>
                 <a:r>
-                  <a:rPr lang="en-US" altLang="zh-CN" sz="1600" smtClean="0">
+                  <a:rPr lang="en-US" altLang="zh-CN" sz="1600" dirty="0" smtClean="0">
                     <a:solidFill>
                       <a:srgbClr val="FF0000"/>
                     </a:solidFill>
@@ -4596,28 +4587,24 @@
                   <a:t>③</a:t>
                 </a:r>
                 <a:r>
-                  <a:rPr lang="en-US" altLang="zh-CN" sz="1600" smtClean="0">
+                  <a:rPr lang="en-US" altLang="zh-CN" sz="1600" dirty="0" smtClean="0">
                     <a:latin typeface="等线" panose="02010600030101010101" pitchFamily="2" charset="-122"/>
                     <a:ea typeface="等线" panose="02010600030101010101" pitchFamily="2" charset="-122"/>
                   </a:rPr>
                   <a:t> </a:t>
                 </a:r>
                 <a:r>
-                  <a:rPr lang="en-US" altLang="zh-CN" sz="2800" smtClean="0">
+                  <a:rPr lang="en-US" altLang="zh-CN" sz="2800" dirty="0" smtClean="0">
                     <a:latin typeface="等线" panose="02010600030101010101" pitchFamily="2" charset="-122"/>
                     <a:ea typeface="等线" panose="02010600030101010101" pitchFamily="2" charset="-122"/>
                   </a:rPr>
                   <a:t>  </a:t>
                 </a:r>
-                <a:endParaRPr lang="en-US" altLang="zh-CN" sz="2800" dirty="0" smtClean="0">
-                  <a:latin typeface="等线" panose="02010600030101010101" pitchFamily="2" charset="-122"/>
-                  <a:ea typeface="等线" panose="02010600030101010101" pitchFamily="2" charset="-122"/>
-                </a:endParaRPr>
               </a:p>
             </p:txBody>
           </p:sp>
         </mc:Choice>
-        <mc:Fallback>
+        <mc:Fallback xmlns="">
           <p:sp>
             <p:nvSpPr>
               <p:cNvPr id="3" name="内容占位符 2"/>
@@ -4676,7 +4663,7 @@
         </p:blipFill>
         <p:spPr>
           <a:xfrm>
-            <a:off x="5086358" y="1322495"/>
+            <a:off x="4160372" y="1332179"/>
             <a:ext cx="2878378" cy="526682"/>
           </a:xfrm>
           <a:prstGeom prst="rect">
@@ -4700,7 +4687,7 @@
         </p:blipFill>
         <p:spPr>
           <a:xfrm>
-            <a:off x="4160372" y="1858861"/>
+            <a:off x="4160372" y="1811486"/>
             <a:ext cx="2838424" cy="576064"/>
           </a:xfrm>
           <a:prstGeom prst="rect">
@@ -4748,7 +4735,7 @@
         </p:blipFill>
         <p:spPr>
           <a:xfrm>
-            <a:off x="4707914" y="3205951"/>
+            <a:off x="4446553" y="3258575"/>
             <a:ext cx="1647825" cy="409575"/>
           </a:xfrm>
           <a:prstGeom prst="rect">
@@ -4772,7 +4759,7 @@
         </p:blipFill>
         <p:spPr>
           <a:xfrm>
-            <a:off x="2771800" y="3674342"/>
+            <a:off x="2463692" y="3696806"/>
             <a:ext cx="1181100" cy="390525"/>
           </a:xfrm>
           <a:prstGeom prst="rect">
@@ -4796,7 +4783,7 @@
         </p:blipFill>
         <p:spPr>
           <a:xfrm>
-            <a:off x="3571683" y="5067228"/>
+            <a:off x="3643034" y="5099745"/>
             <a:ext cx="3029350" cy="904498"/>
           </a:xfrm>
           <a:prstGeom prst="rect">
@@ -5043,7 +5030,7 @@
                       <m:fPr>
                         <m:ctrlPr>
                           <a:rPr lang="zh-CN" altLang="zh-CN" i="1">
-                            <a:latin typeface="Cambria Math" panose="02040503050406030204" pitchFamily="18" charset="0"/>
+                            <a:latin typeface="Cambria Math" charset="0"/>
                           </a:rPr>
                         </m:ctrlPr>
                       </m:fPr>
@@ -5058,7 +5045,7 @@
                           <m:sSubSupPr>
                             <m:ctrlPr>
                               <a:rPr lang="zh-CN" altLang="zh-CN" i="1">
-                                <a:latin typeface="Cambria Math" panose="02040503050406030204" pitchFamily="18" charset="0"/>
+                                <a:latin typeface="Cambria Math" charset="0"/>
                               </a:rPr>
                             </m:ctrlPr>
                           </m:sSubSupPr>
@@ -5068,7 +5055,7 @@
                                 <m:chr m:val="̂"/>
                                 <m:ctrlPr>
                                   <a:rPr lang="zh-CN" altLang="zh-CN" i="1">
-                                    <a:latin typeface="Cambria Math" panose="02040503050406030204" pitchFamily="18" charset="0"/>
+                                    <a:latin typeface="Cambria Math" charset="0"/>
                                   </a:rPr>
                                 </m:ctrlPr>
                               </m:accPr>
@@ -5111,7 +5098,7 @@
                           <m:sSubPr>
                             <m:ctrlPr>
                               <a:rPr lang="zh-CN" altLang="zh-CN" i="1">
-                                <a:latin typeface="Cambria Math" panose="02040503050406030204" pitchFamily="18" charset="0"/>
+                                <a:latin typeface="Cambria Math" charset="0"/>
                               </a:rPr>
                             </m:ctrlPr>
                           </m:sSubPr>
@@ -5676,56 +5663,35 @@
                 <a:latin typeface="等线" panose="02010600030101010101" pitchFamily="2" charset="-122"/>
                 <a:ea typeface="等线" panose="02010600030101010101" pitchFamily="2" charset="-122"/>
               </a:rPr>
-              <a:t>激活函数</a:t>
+              <a:t>激活函数，只考虑</a:t>
+            </a:r>
+            <a:r>
+              <a:rPr lang="en-US" altLang="zh-CN" smtClean="0">
+                <a:latin typeface="等线" panose="02010600030101010101" pitchFamily="2" charset="-122"/>
+                <a:ea typeface="等线" panose="02010600030101010101" pitchFamily="2" charset="-122"/>
+              </a:rPr>
+              <a:t>logistic</a:t>
             </a:r>
             <a:r>
               <a:rPr lang="zh-CN" altLang="en-US" smtClean="0">
                 <a:latin typeface="等线" panose="02010600030101010101" pitchFamily="2" charset="-122"/>
                 <a:ea typeface="等线" panose="02010600030101010101" pitchFamily="2" charset="-122"/>
               </a:rPr>
-              <a:t>，</a:t>
+              <a:t>和</a:t>
+            </a:r>
+            <a:r>
+              <a:rPr lang="en-US" altLang="zh-CN" smtClean="0">
+                <a:latin typeface="等线" panose="02010600030101010101" pitchFamily="2" charset="-122"/>
+                <a:ea typeface="等线" panose="02010600030101010101" pitchFamily="2" charset="-122"/>
+              </a:rPr>
+              <a:t>tanh</a:t>
             </a:r>
             <a:r>
               <a:rPr lang="zh-CN" altLang="en-US" smtClean="0">
                 <a:latin typeface="等线" panose="02010600030101010101" pitchFamily="2" charset="-122"/>
                 <a:ea typeface="等线" panose="02010600030101010101" pitchFamily="2" charset="-122"/>
               </a:rPr>
-              <a:t>只考虑</a:t>
-            </a:r>
-            <a:r>
-              <a:rPr lang="en-US" altLang="zh-CN" smtClean="0">
-                <a:latin typeface="等线" panose="02010600030101010101" pitchFamily="2" charset="-122"/>
-                <a:ea typeface="等线" panose="02010600030101010101" pitchFamily="2" charset="-122"/>
-              </a:rPr>
-              <a:t>logistic</a:t>
-            </a:r>
-            <a:r>
-              <a:rPr lang="zh-CN" altLang="en-US" smtClean="0">
-                <a:latin typeface="等线" panose="02010600030101010101" pitchFamily="2" charset="-122"/>
-                <a:ea typeface="等线" panose="02010600030101010101" pitchFamily="2" charset="-122"/>
-              </a:rPr>
-              <a:t>和</a:t>
-            </a:r>
-            <a:r>
-              <a:rPr lang="en-US" altLang="zh-CN" smtClean="0">
-                <a:latin typeface="等线" panose="02010600030101010101" pitchFamily="2" charset="-122"/>
-                <a:ea typeface="等线" panose="02010600030101010101" pitchFamily="2" charset="-122"/>
-              </a:rPr>
-              <a:t>tanh</a:t>
-            </a:r>
-            <a:r>
-              <a:rPr lang="zh-CN" altLang="en-US" smtClean="0">
-                <a:latin typeface="等线" panose="02010600030101010101" pitchFamily="2" charset="-122"/>
-                <a:ea typeface="等线" panose="02010600030101010101" pitchFamily="2" charset="-122"/>
-              </a:rPr>
-              <a:t>，</a:t>
-            </a:r>
-            <a:r>
-              <a:rPr lang="zh-CN" altLang="en-US" smtClean="0">
-                <a:latin typeface="等线" panose="02010600030101010101" pitchFamily="2" charset="-122"/>
-                <a:ea typeface="等线" panose="02010600030101010101" pitchFamily="2" charset="-122"/>
-              </a:rPr>
-              <a:t>要定义，用于前</a:t>
+              <a:t>，要定义，用于前</a:t>
             </a:r>
             <a:r>
               <a:rPr lang="zh-CN" altLang="en-US" dirty="0" smtClean="0">
@@ -6489,14 +6455,7 @@
                 <a:latin typeface="等线" panose="02010600030101010101" pitchFamily="2" charset="-122"/>
                 <a:ea typeface="等线" panose="02010600030101010101" pitchFamily="2" charset="-122"/>
               </a:rPr>
-              <a:t>生长函数</a:t>
-            </a:r>
-            <a:r>
-              <a:rPr lang="zh-CN" altLang="en-US" sz="2000" smtClean="0">
-                <a:latin typeface="等线" panose="02010600030101010101" pitchFamily="2" charset="-122"/>
-                <a:ea typeface="等线" panose="02010600030101010101" pitchFamily="2" charset="-122"/>
-              </a:rPr>
-              <a:t>及其一阶导数</a:t>
+              <a:t>生长函数及其一阶导数</a:t>
             </a:r>
             <a:endParaRPr lang="zh-CN" altLang="en-US" sz="2000" dirty="0">
               <a:latin typeface="等线" panose="02010600030101010101" pitchFamily="2" charset="-122"/>
@@ -6672,14 +6631,7 @@
                 <a:latin typeface="等线" panose="02010600030101010101" pitchFamily="2" charset="-122"/>
                 <a:ea typeface="等线" panose="02010600030101010101" pitchFamily="2" charset="-122"/>
               </a:rPr>
-              <a:t>双曲函数</a:t>
-            </a:r>
-            <a:r>
-              <a:rPr lang="zh-CN" altLang="en-US" sz="2000">
-                <a:latin typeface="等线" panose="02010600030101010101" pitchFamily="2" charset="-122"/>
-                <a:ea typeface="等线" panose="02010600030101010101" pitchFamily="2" charset="-122"/>
-              </a:rPr>
-              <a:t>及其一阶导数</a:t>
+              <a:t>双曲函数及其一阶导数</a:t>
             </a:r>
             <a:endParaRPr lang="zh-CN" altLang="en-US" sz="2000" dirty="0">
               <a:latin typeface="等线" panose="02010600030101010101" pitchFamily="2" charset="-122"/>
@@ -8872,14 +8824,7 @@
                 <a:latin typeface="等线" panose="02010600030101010101" pitchFamily="2" charset="-122"/>
                 <a:ea typeface="等线" panose="02010600030101010101" pitchFamily="2" charset="-122"/>
               </a:rPr>
-              <a:t>            deltas = [error * self.activation_deriv(a[-1])]  </a:t>
-            </a:r>
-            <a:r>
-              <a:rPr lang="en-US" altLang="zh-CN" sz="1800">
-                <a:latin typeface="等线" panose="02010600030101010101" pitchFamily="2" charset="-122"/>
-                <a:ea typeface="等线" panose="02010600030101010101" pitchFamily="2" charset="-122"/>
-              </a:rPr>
-              <a:t># </a:t>
+              <a:t>            deltas = [error * self.activation_deriv(a[-1])]  # </a:t>
             </a:r>
             <a:r>
               <a:rPr lang="zh-CN" altLang="en-US" sz="1800" smtClean="0">
@@ -9235,35 +9180,21 @@
                 <a:latin typeface="等线" panose="02010600030101010101" pitchFamily="2" charset="-122"/>
                 <a:ea typeface="等线" panose="02010600030101010101" pitchFamily="2" charset="-122"/>
               </a:rPr>
-              <a:t>向量转</a:t>
+              <a:t>向量转成</a:t>
+            </a:r>
+            <a:r>
+              <a:rPr lang="zh-CN" altLang="en-US" sz="1800">
+                <a:latin typeface="等线" panose="02010600030101010101" pitchFamily="2" charset="-122"/>
+                <a:ea typeface="等线" panose="02010600030101010101" pitchFamily="2" charset="-122"/>
+              </a:rPr>
+              <a:t>只有</a:t>
             </a:r>
             <a:r>
               <a:rPr lang="zh-CN" altLang="en-US" sz="1800" smtClean="0">
                 <a:latin typeface="等线" panose="02010600030101010101" pitchFamily="2" charset="-122"/>
                 <a:ea typeface="等线" panose="02010600030101010101" pitchFamily="2" charset="-122"/>
               </a:rPr>
-              <a:t>成</a:t>
-            </a:r>
-            <a:r>
-              <a:rPr lang="zh-CN" altLang="en-US" sz="1800">
-                <a:latin typeface="等线" panose="02010600030101010101" pitchFamily="2" charset="-122"/>
-                <a:ea typeface="等线" panose="02010600030101010101" pitchFamily="2" charset="-122"/>
-              </a:rPr>
-              <a:t>只有</a:t>
-            </a:r>
-            <a:r>
-              <a:rPr lang="zh-CN" altLang="en-US" sz="1800" smtClean="0">
-                <a:latin typeface="等线" panose="02010600030101010101" pitchFamily="2" charset="-122"/>
-                <a:ea typeface="等线" panose="02010600030101010101" pitchFamily="2" charset="-122"/>
-              </a:rPr>
-              <a:t>一行</a:t>
-            </a:r>
-            <a:r>
-              <a:rPr lang="zh-CN" altLang="en-US" sz="1800" smtClean="0">
-                <a:latin typeface="等线" panose="02010600030101010101" pitchFamily="2" charset="-122"/>
-                <a:ea typeface="等线" panose="02010600030101010101" pitchFamily="2" charset="-122"/>
-              </a:rPr>
-              <a:t>的矩阵</a:t>
+              <a:t>一行的矩阵</a:t>
             </a:r>
             <a:endParaRPr lang="en-US" altLang="zh-CN" sz="1800" dirty="0">
               <a:latin typeface="等线" panose="02010600030101010101" pitchFamily="2" charset="-122"/>
@@ -11722,14 +11653,7 @@
                 <a:latin typeface="宋体" panose="02010600030101010101" pitchFamily="2" charset="-122"/>
                 <a:ea typeface="宋体" panose="02010600030101010101" pitchFamily="2" charset="-122"/>
               </a:rPr>
-              <a:t>/= </a:t>
-            </a:r>
-            <a:r>
-              <a:rPr lang="en-US" altLang="zh-CN" sz="2800">
-                <a:latin typeface="宋体" panose="02010600030101010101" pitchFamily="2" charset="-122"/>
-                <a:ea typeface="宋体" panose="02010600030101010101" pitchFamily="2" charset="-122"/>
-              </a:rPr>
-              <a:t>(</a:t>
+              <a:t>/= (</a:t>
             </a:r>
             <a:r>
               <a:rPr lang="en-US" altLang="zh-CN" sz="2800" smtClean="0">
@@ -12080,14 +12004,7 @@
                 <a:latin typeface="宋体" panose="02010600030101010101" pitchFamily="2" charset="-122"/>
                 <a:ea typeface="宋体" panose="02010600030101010101" pitchFamily="2" charset="-122"/>
               </a:rPr>
-              <a:t>/= </a:t>
-            </a:r>
-            <a:r>
-              <a:rPr lang="en-US" altLang="zh-CN" sz="2800" kern="0" smtClean="0">
-                <a:latin typeface="宋体" panose="02010600030101010101" pitchFamily="2" charset="-122"/>
-                <a:ea typeface="宋体" panose="02010600030101010101" pitchFamily="2" charset="-122"/>
-              </a:rPr>
-              <a:t>(maxx-minx)</a:t>
+              <a:t>/= (maxx-minx)</a:t>
             </a:r>
             <a:endParaRPr lang="en-US" altLang="zh-CN" sz="2800" kern="0" dirty="0" smtClean="0">
               <a:latin typeface="宋体" panose="02010600030101010101" pitchFamily="2" charset="-122"/>
@@ -12219,15 +12136,7 @@
                   <a:schemeClr val="tx1"/>
                 </a:solidFill>
               </a:rPr>
-              <a:t>-</a:t>
-            </a:r>
-            <a:r>
-              <a:rPr lang="en-US" altLang="zh-CN" smtClean="0">
-                <a:solidFill>
-                  <a:schemeClr val="tx1"/>
-                </a:solidFill>
-              </a:rPr>
-              <a:t>1~1</a:t>
+              <a:t>-1~1</a:t>
             </a:r>
             <a:endParaRPr lang="zh-CN" altLang="en-US" dirty="0">
               <a:solidFill>
@@ -18518,14 +18427,7 @@
                 <a:latin typeface="等线" panose="02010600030101010101" pitchFamily="2" charset="-122"/>
                 <a:ea typeface="等线" panose="02010600030101010101" pitchFamily="2" charset="-122"/>
               </a:rPr>
-              <a:t>预测</a:t>
-            </a:r>
-            <a:r>
-              <a:rPr lang="zh-CN" altLang="en-US" smtClean="0">
-                <a:latin typeface="等线" panose="02010600030101010101" pitchFamily="2" charset="-122"/>
-                <a:ea typeface="等线" panose="02010600030101010101" pitchFamily="2" charset="-122"/>
-              </a:rPr>
-              <a:t>得分，准确率</a:t>
+              <a:t>预测得分，准确率</a:t>
             </a:r>
             <a:endParaRPr lang="en-US" altLang="zh-CN" dirty="0" smtClean="0">
               <a:latin typeface="等线" panose="02010600030101010101" pitchFamily="2" charset="-122"/>
@@ -19310,14 +19212,7 @@
                 <a:latin typeface="等线" panose="02010600030101010101" pitchFamily="2" charset="-122"/>
                 <a:ea typeface="等线" panose="02010600030101010101" pitchFamily="2" charset="-122"/>
               </a:rPr>
-              <a:t>函数</a:t>
-            </a:r>
-            <a:r>
-              <a:rPr lang="zh-CN" altLang="en-US" smtClean="0">
-                <a:latin typeface="等线" panose="02010600030101010101" pitchFamily="2" charset="-122"/>
-                <a:ea typeface="等线" panose="02010600030101010101" pitchFamily="2" charset="-122"/>
-              </a:rPr>
-              <a:t>转换，包括：</a:t>
+              <a:t>函数转换，包括：</a:t>
             </a:r>
             <a:endParaRPr lang="en-US" altLang="zh-CN" dirty="0">
               <a:latin typeface="等线" panose="02010600030101010101" pitchFamily="2" charset="-122"/>
@@ -24895,27 +24790,13 @@
               <a:buSzPct val="70000"/>
             </a:pPr>
             <a:r>
-              <a:rPr lang="zh-CN" altLang="en-US" sz="2800" smtClean="0">
-                <a:latin typeface="宋体" panose="02010600030101010101" pitchFamily="2" charset="-122"/>
-                <a:ea typeface="宋体" panose="02010600030101010101" pitchFamily="2" charset="-122"/>
-              </a:rPr>
-              <a:t>不追求得到显式的函数关系，其</a:t>
-            </a:r>
-            <a:r>
               <a:rPr lang="zh-CN" altLang="en-US" sz="2800" dirty="0" smtClean="0">
                 <a:latin typeface="宋体" panose="02010600030101010101" pitchFamily="2" charset="-122"/>
                 <a:ea typeface="宋体" panose="02010600030101010101" pitchFamily="2" charset="-122"/>
               </a:rPr>
-              <a:t>非线性程度</a:t>
-            </a:r>
-            <a:r>
-              <a:rPr lang="zh-CN" altLang="en-US" sz="2800" smtClean="0">
-                <a:latin typeface="宋体" panose="02010600030101010101" pitchFamily="2" charset="-122"/>
-                <a:ea typeface="宋体" panose="02010600030101010101" pitchFamily="2" charset="-122"/>
-              </a:rPr>
-              <a:t>无法想象</a:t>
-            </a:r>
-            <a:endParaRPr lang="en-US" altLang="zh-CN" sz="2800" smtClean="0">
+              <a:t>不追求得到显式的函数关系，其非线性程度无法想象</a:t>
+            </a:r>
+            <a:endParaRPr lang="en-US" altLang="zh-CN" sz="2800" dirty="0" smtClean="0">
               <a:latin typeface="宋体" panose="02010600030101010101" pitchFamily="2" charset="-122"/>
               <a:ea typeface="宋体" panose="02010600030101010101" pitchFamily="2" charset="-122"/>
             </a:endParaRPr>
@@ -24931,55 +24812,41 @@
               <a:buSzPct val="70000"/>
             </a:pPr>
             <a:r>
-              <a:rPr lang="zh-CN" altLang="en-US" sz="2800" smtClean="0">
-                <a:latin typeface="宋体" panose="02010600030101010101" pitchFamily="2" charset="-122"/>
-                <a:ea typeface="宋体" panose="02010600030101010101" pitchFamily="2" charset="-122"/>
-              </a:rPr>
-              <a:t>算法在飞速发展</a:t>
-            </a:r>
-            <a:r>
-              <a:rPr lang="zh-CN" altLang="en-US" sz="2800" smtClean="0">
-                <a:latin typeface="宋体" panose="02010600030101010101" pitchFamily="2" charset="-122"/>
-                <a:ea typeface="宋体" panose="02010600030101010101" pitchFamily="2" charset="-122"/>
-              </a:rPr>
-              <a:t>：可伸缩性很强，如深度</a:t>
-            </a:r>
-            <a:r>
-              <a:rPr lang="zh-CN" altLang="en-US" sz="2800" smtClean="0">
-                <a:latin typeface="宋体" panose="02010600030101010101" pitchFamily="2" charset="-122"/>
-                <a:ea typeface="宋体" panose="02010600030101010101" pitchFamily="2" charset="-122"/>
-              </a:rPr>
-              <a:t>学习</a:t>
-            </a:r>
-            <a:r>
-              <a:rPr lang="en-US" altLang="zh-CN" sz="2800" smtClean="0">
+              <a:rPr lang="zh-CN" altLang="en-US" sz="2800" dirty="0" smtClean="0">
+                <a:latin typeface="宋体" panose="02010600030101010101" pitchFamily="2" charset="-122"/>
+                <a:ea typeface="宋体" panose="02010600030101010101" pitchFamily="2" charset="-122"/>
+              </a:rPr>
+              <a:t>算法在飞速发展：可伸缩性很强，如深度学习</a:t>
+            </a:r>
+            <a:r>
+              <a:rPr lang="en-US" altLang="zh-CN" sz="2800" dirty="0" err="1" smtClean="0">
                 <a:latin typeface="宋体" panose="02010600030101010101" pitchFamily="2" charset="-122"/>
                 <a:ea typeface="宋体" panose="02010600030101010101" pitchFamily="2" charset="-122"/>
               </a:rPr>
               <a:t>tensorflow</a:t>
             </a:r>
             <a:r>
-              <a:rPr lang="zh-CN" altLang="en-US" sz="2800" smtClean="0">
+              <a:rPr lang="zh-CN" altLang="en-US" sz="2800" dirty="0" smtClean="0">
                 <a:latin typeface="宋体" panose="02010600030101010101" pitchFamily="2" charset="-122"/>
                 <a:ea typeface="宋体" panose="02010600030101010101" pitchFamily="2" charset="-122"/>
               </a:rPr>
               <a:t>、</a:t>
             </a:r>
             <a:r>
-              <a:rPr lang="en-US" altLang="zh-CN" sz="2800" smtClean="0">
+              <a:rPr lang="en-US" altLang="zh-CN" sz="2800" dirty="0" err="1" smtClean="0">
                 <a:latin typeface="宋体" panose="02010600030101010101" pitchFamily="2" charset="-122"/>
                 <a:ea typeface="宋体" panose="02010600030101010101" pitchFamily="2" charset="-122"/>
               </a:rPr>
               <a:t>keras</a:t>
             </a:r>
             <a:r>
-              <a:rPr lang="zh-CN" altLang="en-US" sz="2800" smtClean="0">
+              <a:rPr lang="zh-CN" altLang="en-US" sz="2800" dirty="0" smtClean="0">
                 <a:latin typeface="宋体" panose="02010600030101010101" pitchFamily="2" charset="-122"/>
                 <a:ea typeface="宋体" panose="02010600030101010101" pitchFamily="2" charset="-122"/>
               </a:rPr>
               <a:t>等</a:t>
             </a:r>
-            <a:endParaRPr lang="en-US" altLang="zh-CN" sz="2800" smtClean="0">
+            <a:endParaRPr lang="en-US" altLang="zh-CN" sz="2800" dirty="0" smtClean="0">
               <a:latin typeface="宋体" panose="02010600030101010101" pitchFamily="2" charset="-122"/>
               <a:ea typeface="宋体" panose="02010600030101010101" pitchFamily="2" charset="-122"/>
             </a:endParaRPr>
@@ -24995,63 +24862,63 @@
               <a:buSzPct val="70000"/>
             </a:pPr>
             <a:r>
-              <a:rPr lang="zh-CN" altLang="en-US" sz="2800" smtClean="0">
+              <a:rPr lang="zh-CN" altLang="en-US" sz="2800" dirty="0" smtClean="0">
                 <a:latin typeface="宋体" panose="02010600030101010101" pitchFamily="2" charset="-122"/>
                 <a:ea typeface="宋体" panose="02010600030101010101" pitchFamily="2" charset="-122"/>
               </a:rPr>
               <a:t>算法在固化：华为昇腾</a:t>
             </a:r>
             <a:r>
-              <a:rPr lang="en-US" altLang="zh-CN" sz="2800" smtClean="0">
+              <a:rPr lang="en-US" altLang="zh-CN" sz="2800" dirty="0" smtClean="0">
                 <a:latin typeface="宋体" panose="02010600030101010101" pitchFamily="2" charset="-122"/>
                 <a:ea typeface="宋体" panose="02010600030101010101" pitchFamily="2" charset="-122"/>
               </a:rPr>
               <a:t>910</a:t>
             </a:r>
             <a:r>
-              <a:rPr lang="zh-CN" altLang="en-US" sz="2800" smtClean="0">
+              <a:rPr lang="zh-CN" altLang="en-US" sz="2800" dirty="0" smtClean="0">
                 <a:latin typeface="宋体" panose="02010600030101010101" pitchFamily="2" charset="-122"/>
                 <a:ea typeface="宋体" panose="02010600030101010101" pitchFamily="2" charset="-122"/>
               </a:rPr>
               <a:t>、阿里平头哥含光</a:t>
             </a:r>
             <a:r>
-              <a:rPr lang="en-US" altLang="zh-CN" sz="2800" smtClean="0">
+              <a:rPr lang="en-US" altLang="zh-CN" sz="2800" dirty="0" smtClean="0">
                 <a:latin typeface="宋体" panose="02010600030101010101" pitchFamily="2" charset="-122"/>
                 <a:ea typeface="宋体" panose="02010600030101010101" pitchFamily="2" charset="-122"/>
               </a:rPr>
               <a:t>800</a:t>
             </a:r>
             <a:r>
-              <a:rPr lang="zh-CN" altLang="en-US" sz="2800" smtClean="0">
+              <a:rPr lang="zh-CN" altLang="en-US" sz="2800" dirty="0" smtClean="0">
                 <a:latin typeface="宋体" panose="02010600030101010101" pitchFamily="2" charset="-122"/>
                 <a:ea typeface="宋体" panose="02010600030101010101" pitchFamily="2" charset="-122"/>
               </a:rPr>
               <a:t>、</a:t>
             </a:r>
             <a:r>
-              <a:rPr lang="en-US" altLang="zh-CN" sz="2800" smtClean="0">
+              <a:rPr lang="en-US" altLang="zh-CN" sz="2800" dirty="0" smtClean="0">
                 <a:latin typeface="宋体" panose="02010600030101010101" pitchFamily="2" charset="-122"/>
                 <a:ea typeface="宋体" panose="02010600030101010101" pitchFamily="2" charset="-122"/>
               </a:rPr>
               <a:t>intel </a:t>
             </a:r>
             <a:r>
-              <a:rPr lang="zh-CN" altLang="en-US" sz="2800" smtClean="0">
+              <a:rPr lang="zh-CN" altLang="en-US" sz="2800" dirty="0" smtClean="0">
                 <a:latin typeface="宋体" panose="02010600030101010101" pitchFamily="2" charset="-122"/>
                 <a:ea typeface="宋体" panose="02010600030101010101" pitchFamily="2" charset="-122"/>
               </a:rPr>
               <a:t>的</a:t>
             </a:r>
             <a:r>
-              <a:rPr lang="en-US" altLang="zh-CN" sz="2800" smtClean="0">
+              <a:rPr lang="en-US" altLang="zh-CN" sz="2800" dirty="0" err="1" smtClean="0">
                 <a:latin typeface="宋体" panose="02010600030101010101" pitchFamily="2" charset="-122"/>
                 <a:ea typeface="宋体" panose="02010600030101010101" pitchFamily="2" charset="-122"/>
               </a:rPr>
               <a:t>Nervana</a:t>
             </a:r>
             <a:r>
-              <a:rPr lang="zh-CN" altLang="en-US" sz="2800" smtClean="0">
+              <a:rPr lang="zh-CN" altLang="en-US" sz="2800" dirty="0" smtClean="0">
                 <a:latin typeface="宋体" panose="02010600030101010101" pitchFamily="2" charset="-122"/>
                 <a:ea typeface="宋体" panose="02010600030101010101" pitchFamily="2" charset="-122"/>
               </a:rPr>
@@ -25172,8 +25039,8 @@
           </a:p>
         </p:txBody>
       </p:sp>
-      <mc:AlternateContent xmlns:mc="http://schemas.openxmlformats.org/markup-compatibility/2006">
-        <mc:Choice xmlns:a14="http://schemas.microsoft.com/office/drawing/2010/main" Requires="a14">
+      <mc:AlternateContent xmlns:mc="http://schemas.openxmlformats.org/markup-compatibility/2006" xmlns:a14="http://schemas.microsoft.com/office/drawing/2010/main">
+        <mc:Choice Requires="a14">
           <p:sp>
             <p:nvSpPr>
               <p:cNvPr id="8" name="内容占位符 2"/>
@@ -25540,21 +25407,7 @@
                     <a:latin typeface="华文宋体" panose="02010600040101010101" pitchFamily="2" charset="-122"/>
                     <a:ea typeface="华文宋体" panose="02010600040101010101" pitchFamily="2" charset="-122"/>
                   </a:rPr>
-                  <a:t>节点</a:t>
-                </a:r>
-                <a:r>
-                  <a:rPr lang="zh-CN" altLang="en-US" kern="0" smtClean="0">
-                    <a:latin typeface="华文宋体" panose="02010600040101010101" pitchFamily="2" charset="-122"/>
-                    <a:ea typeface="华文宋体" panose="02010600040101010101" pitchFamily="2" charset="-122"/>
-                  </a:rPr>
-                  <a:t>输出通过</a:t>
-                </a:r>
-                <a:r>
-                  <a:rPr lang="zh-CN" altLang="en-US" kern="0" smtClean="0">
-                    <a:latin typeface="华文宋体" panose="02010600040101010101" pitchFamily="2" charset="-122"/>
-                    <a:ea typeface="华文宋体" panose="02010600040101010101" pitchFamily="2" charset="-122"/>
-                  </a:rPr>
-                  <a:t>激活函数：</a:t>
+                  <a:t>节点输出通过激活函数：</a:t>
                 </a:r>
                 <a:endParaRPr lang="en-US" altLang="zh-CN" kern="0" dirty="0" smtClean="0">
                   <a:latin typeface="华文宋体" panose="02010600040101010101" pitchFamily="2" charset="-122"/>
@@ -25590,7 +25443,7 @@
                         <m:fPr>
                           <m:ctrlPr>
                             <a:rPr lang="zh-CN" altLang="zh-CN" i="1">
-                              <a:latin typeface="Cambria Math" panose="02040503050406030204" pitchFamily="18" charset="0"/>
+                              <a:latin typeface="Cambria Math" charset="0"/>
                             </a:rPr>
                           </m:ctrlPr>
                         </m:fPr>
@@ -25613,7 +25466,7 @@
                             <m:sSupPr>
                               <m:ctrlPr>
                                 <a:rPr lang="zh-CN" altLang="zh-CN" i="1">
-                                  <a:latin typeface="Cambria Math" panose="02040503050406030204" pitchFamily="18" charset="0"/>
+                                  <a:latin typeface="Cambria Math" charset="0"/>
                                 </a:rPr>
                               </m:ctrlPr>
                             </m:sSupPr>
@@ -25702,7 +25555,7 @@
             </p:txBody>
           </p:sp>
         </mc:Choice>
-        <mc:Fallback>
+        <mc:Fallback xmlns="">
           <p:sp>
             <p:nvSpPr>
               <p:cNvPr id="8" name="内容占位符 2"/>
@@ -27157,14 +27010,14 @@
               <a:t>Rumelhart</a:t>
             </a:r>
             <a:r>
-              <a:rPr lang="zh-CN" altLang="zh-CN" sz="3200" dirty="0">
+              <a:rPr lang="zh-CN" altLang="zh-CN" sz="3200" dirty="0" smtClean="0">
                 <a:latin typeface="等线" panose="02010600030101010101" pitchFamily="2" charset="-122"/>
                 <a:ea typeface="等线" panose="02010600030101010101" pitchFamily="2" charset="-122"/>
               </a:rPr>
               <a:t>和</a:t>
             </a:r>
             <a:r>
-              <a:rPr lang="en-US" altLang="zh-CN" sz="3200" dirty="0" err="1">
+              <a:rPr lang="en-US" altLang="zh-CN" sz="3200" dirty="0" err="1" smtClean="0">
                 <a:latin typeface="等线" panose="02010600030101010101" pitchFamily="2" charset="-122"/>
                 <a:ea typeface="等线" panose="02010600030101010101" pitchFamily="2" charset="-122"/>
               </a:rPr>
@@ -27175,7 +27028,14 @@
                 <a:latin typeface="等线" panose="02010600030101010101" pitchFamily="2" charset="-122"/>
                 <a:ea typeface="等线" panose="02010600030101010101" pitchFamily="2" charset="-122"/>
               </a:rPr>
-              <a:t>提出</a:t>
+              <a:t>提</a:t>
+            </a:r>
+            <a:r>
+              <a:rPr lang="zh-CN" altLang="zh-CN" sz="3200" dirty="0" smtClean="0">
+                <a:latin typeface="等线" panose="02010600030101010101" pitchFamily="2" charset="-122"/>
+                <a:ea typeface="等线" panose="02010600030101010101" pitchFamily="2" charset="-122"/>
+              </a:rPr>
+              <a:t>出</a:t>
             </a:r>
             <a:endParaRPr lang="en-US" altLang="zh-CN" sz="3200" dirty="0">
               <a:latin typeface="等线" panose="02010600030101010101" pitchFamily="2" charset="-122"/>
